--- a/PPT-Iteration1-Digital Seminar.pptx
+++ b/PPT-Iteration1-Digital Seminar.pptx
@@ -9255,8 +9255,8 @@
         </p:blipFill>
         <p:spPr>
           <a:xfrm>
-            <a:off x="632301" y="885706"/>
-            <a:ext cx="3940333" cy="5629048"/>
+            <a:off x="962660" y="1941830"/>
+            <a:ext cx="3314700" cy="4736465"/>
           </a:xfrm>
           <a:prstGeom prst="rect">
             <a:avLst/>
@@ -9279,7 +9279,7 @@
         </p:blipFill>
         <p:spPr>
           <a:xfrm>
-            <a:off x="4819478" y="1138871"/>
+            <a:off x="4737563" y="1474786"/>
             <a:ext cx="6829121" cy="4862195"/>
           </a:xfrm>
           <a:prstGeom prst="rect">
@@ -9287,6 +9287,102 @@
           </a:prstGeom>
         </p:spPr>
       </p:pic>
+      <p:sp>
+        <p:nvSpPr>
+          <p:cNvPr id="10" name="文本框 9"/>
+          <p:cNvSpPr txBox="1"/>
+          <p:nvPr/>
+        </p:nvSpPr>
+        <p:spPr>
+          <a:xfrm>
+            <a:off x="794385" y="841375"/>
+            <a:ext cx="10603230" cy="521970"/>
+          </a:xfrm>
+          <a:prstGeom prst="rect">
+            <a:avLst/>
+          </a:prstGeom>
+          <a:noFill/>
+        </p:spPr>
+        <p:txBody>
+          <a:bodyPr wrap="square" rtlCol="0" anchor="t">
+            <a:spAutoFit/>
+          </a:bodyPr>
+          <a:p>
+            <a:r>
+              <a:rPr sz="2800" i="1" dirty="0">
+                <a:latin typeface="Times New Roman" panose="02020603050405020304" pitchFamily="18" charset="0"/>
+                <a:ea typeface="华文新魏" panose="02010800040101010101" pitchFamily="2" charset="-122"/>
+                <a:cs typeface="Times New Roman" panose="02020603050405020304" pitchFamily="18" charset="0"/>
+                <a:sym typeface="+mn-ea"/>
+              </a:rPr>
+              <a:t>Zhu Fan Zhi</a:t>
+            </a:r>
+            <a:r>
+              <a:rPr lang="en-US" sz="2800" i="1" dirty="0">
+                <a:latin typeface="Times New Roman" panose="02020603050405020304" pitchFamily="18" charset="0"/>
+                <a:ea typeface="华文新魏" panose="02010800040101010101" pitchFamily="2" charset="-122"/>
+                <a:cs typeface="Times New Roman" panose="02020603050405020304" pitchFamily="18" charset="0"/>
+                <a:sym typeface="+mn-ea"/>
+              </a:rPr>
+              <a:t> (Records of Foreign Nations)- </a:t>
+            </a:r>
+            <a:r>
+              <a:rPr lang="en-US" sz="2800" dirty="0">
+                <a:latin typeface="Times New Roman" panose="02020603050405020304" pitchFamily="18" charset="0"/>
+                <a:ea typeface="华文新魏" panose="02010800040101010101" pitchFamily="2" charset="-122"/>
+                <a:cs typeface="Times New Roman" panose="02020603050405020304" pitchFamily="18" charset="0"/>
+                <a:sym typeface="+mn-ea"/>
+              </a:rPr>
+              <a:t>Song Dynasty (960-1279 CE)</a:t>
+            </a:r>
+            <a:endParaRPr lang="en-US" sz="2800" dirty="0">
+              <a:latin typeface="Times New Roman" panose="02020603050405020304" pitchFamily="18" charset="0"/>
+              <a:ea typeface="华文新魏" panose="02010800040101010101" pitchFamily="2" charset="-122"/>
+              <a:cs typeface="Times New Roman" panose="02020603050405020304" pitchFamily="18" charset="0"/>
+              <a:sym typeface="+mn-ea"/>
+            </a:endParaRPr>
+          </a:p>
+        </p:txBody>
+      </p:sp>
+      <p:sp>
+        <p:nvSpPr>
+          <p:cNvPr id="11" name="文本框 10"/>
+          <p:cNvSpPr txBox="1"/>
+          <p:nvPr/>
+        </p:nvSpPr>
+        <p:spPr>
+          <a:xfrm>
+            <a:off x="732790" y="1363345"/>
+            <a:ext cx="3544570" cy="521970"/>
+          </a:xfrm>
+          <a:prstGeom prst="rect">
+            <a:avLst/>
+          </a:prstGeom>
+          <a:noFill/>
+        </p:spPr>
+        <p:txBody>
+          <a:bodyPr wrap="square" rtlCol="0" anchor="t">
+            <a:spAutoFit/>
+          </a:bodyPr>
+          <a:p>
+            <a:r>
+              <a:rPr lang="en-US" sz="2800" dirty="0">
+                <a:latin typeface="Times New Roman" panose="02020603050405020304" pitchFamily="18" charset="0"/>
+                <a:ea typeface="华文新魏" panose="02010800040101010101" pitchFamily="2" charset="-122"/>
+                <a:cs typeface="Times New Roman" panose="02020603050405020304" pitchFamily="18" charset="0"/>
+                <a:sym typeface="+mn-ea"/>
+              </a:rPr>
+              <a:t>Author: Zhao Rukuo</a:t>
+            </a:r>
+            <a:endParaRPr lang="en-US" sz="2800" dirty="0">
+              <a:latin typeface="Times New Roman" panose="02020603050405020304" pitchFamily="18" charset="0"/>
+              <a:ea typeface="华文新魏" panose="02010800040101010101" pitchFamily="2" charset="-122"/>
+              <a:cs typeface="Times New Roman" panose="02020603050405020304" pitchFamily="18" charset="0"/>
+              <a:sym typeface="+mn-ea"/>
+            </a:endParaRPr>
+          </a:p>
+        </p:txBody>
+      </p:sp>
     </p:spTree>
   </p:cSld>
   <p:clrMapOvr>
@@ -10312,7 +10408,7 @@
         </p:nvSpPr>
         <p:spPr>
           <a:xfrm>
-            <a:off x="632460" y="1369060"/>
+            <a:off x="684530" y="958850"/>
             <a:ext cx="5284470" cy="1322070"/>
           </a:xfrm>
           <a:prstGeom prst="rect">
@@ -10364,7 +10460,7 @@
         </p:nvSpPr>
         <p:spPr>
           <a:xfrm>
-            <a:off x="6506210" y="1369060"/>
+            <a:off x="6506210" y="958850"/>
             <a:ext cx="5142230" cy="911860"/>
           </a:xfrm>
           <a:prstGeom prst="rect">
@@ -10406,7 +10502,7 @@
         </p:nvSpPr>
         <p:spPr>
           <a:xfrm>
-            <a:off x="1047750" y="3950970"/>
+            <a:off x="802640" y="2686050"/>
             <a:ext cx="4017010" cy="1314450"/>
           </a:xfrm>
           <a:prstGeom prst="rect">
@@ -10488,7 +10584,7 @@
         </p:nvSpPr>
         <p:spPr>
           <a:xfrm>
-            <a:off x="6632575" y="3951040"/>
+            <a:off x="6587490" y="2660085"/>
             <a:ext cx="4363453" cy="1314450"/>
           </a:xfrm>
           <a:prstGeom prst="rect">
@@ -10606,8 +10702,8 @@
         </p:nvSpPr>
         <p:spPr>
           <a:xfrm>
-            <a:off x="2263140" y="2936875"/>
-            <a:ext cx="520065" cy="822325"/>
+            <a:off x="2342515" y="2222500"/>
+            <a:ext cx="520065" cy="628650"/>
           </a:xfrm>
           <a:prstGeom prst="downArrow">
             <a:avLst/>
@@ -10645,6 +10741,32 @@
           </a:p>
         </p:txBody>
       </p:sp>
+      <p:pic>
+        <p:nvPicPr>
+          <p:cNvPr id="12" name="图片 11"/>
+          <p:cNvPicPr>
+            <a:picLocks noChangeAspect="1"/>
+          </p:cNvPicPr>
+          <p:nvPr/>
+        </p:nvPicPr>
+        <p:blipFill>
+          <a:blip r:embed="rId4">
+            <a:alphaModFix amt="60000"/>
+          </a:blip>
+          <a:stretch>
+            <a:fillRect/>
+          </a:stretch>
+        </p:blipFill>
+        <p:spPr>
+          <a:xfrm>
+            <a:off x="854710" y="4000500"/>
+            <a:ext cx="4119880" cy="2774950"/>
+          </a:xfrm>
+          <a:prstGeom prst="rect">
+            <a:avLst/>
+          </a:prstGeom>
+        </p:spPr>
+      </p:pic>
       <p:sp>
         <p:nvSpPr>
           <p:cNvPr id="10" name="下箭头 9"/>
@@ -10653,8 +10775,8 @@
         </p:nvSpPr>
         <p:spPr>
           <a:xfrm>
-            <a:off x="8035925" y="2936875"/>
-            <a:ext cx="520065" cy="822325"/>
+            <a:off x="8096250" y="2005330"/>
+            <a:ext cx="520065" cy="628650"/>
           </a:xfrm>
           <a:prstGeom prst="downArrow">
             <a:avLst/>
@@ -10692,6 +10814,32 @@
           </a:p>
         </p:txBody>
       </p:sp>
+      <p:pic>
+        <p:nvPicPr>
+          <p:cNvPr id="13" name="图片 12"/>
+          <p:cNvPicPr>
+            <a:picLocks noChangeAspect="1"/>
+          </p:cNvPicPr>
+          <p:nvPr/>
+        </p:nvPicPr>
+        <p:blipFill>
+          <a:blip r:embed="rId5">
+            <a:alphaModFix amt="80000"/>
+          </a:blip>
+          <a:stretch>
+            <a:fillRect/>
+          </a:stretch>
+        </p:blipFill>
+        <p:spPr>
+          <a:xfrm>
+            <a:off x="6506210" y="3978275"/>
+            <a:ext cx="3736340" cy="2774950"/>
+          </a:xfrm>
+          <a:prstGeom prst="rect">
+            <a:avLst/>
+          </a:prstGeom>
+        </p:spPr>
+      </p:pic>
     </p:spTree>
   </p:cSld>
   <p:clrMapOvr>
